--- a/Documents/Document_reunion/Presentation/A3_1_Présentation.pptx
+++ b/Documents/Document_reunion/Presentation/A3_1_Présentation.pptx
@@ -371,7 +371,7 @@
             </a:pPr>
             <a:fld id="{1A9DEF83-4F69-6975-2F7B-07C88D3DB5B3}" type="datetime1">
               <a:rPr lang="fr-FR"/>
-              <a:t>28/02/2022</a:t>
+              <a:t>01/03/2022</a:t>
             </a:fld>
             <a:endParaRPr lang="en-US"/>
           </a:p>
@@ -583,7 +583,7 @@
             </a:pPr>
             <a:fld id="{8FCE5CFB-EFB3-1769-B58B-2C5D82294344}" type="datetime1">
               <a:rPr lang="fr-FR"/>
-              <a:t>28/02/2022</a:t>
+              <a:t>01/03/2022</a:t>
             </a:fld>
             <a:endParaRPr lang="en-US"/>
           </a:p>
@@ -942,7 +942,7 @@
             </a:pPr>
             <a:fld id="{14794AF3-1074-594B-B516-3DF4DF10F55E}" type="datetime1">
               <a:rPr lang="fr-FR"/>
-              <a:t>28/02/2022</a:t>
+              <a:t>01/03/2022</a:t>
             </a:fld>
             <a:endParaRPr lang="en-US"/>
           </a:p>
@@ -1143,7 +1143,7 @@
             </a:pPr>
             <a:fld id="{FADA3D20-1B5B-2DC9-A23E-F4D4FE685C89}" type="datetime1">
               <a:rPr lang="fr-FR"/>
-              <a:t>28/02/2022</a:t>
+              <a:t>01/03/2022</a:t>
             </a:fld>
             <a:endParaRPr lang="en-US"/>
           </a:p>
@@ -1447,7 +1447,7 @@
             </a:pPr>
             <a:fld id="{1E6758AD-D1BE-F5EC-B574-A7D8A8429ED4}" type="datetime1">
               <a:rPr lang="fr-FR"/>
-              <a:t>28/02/2022</a:t>
+              <a:t>01/03/2022</a:t>
             </a:fld>
             <a:endParaRPr lang="en-US"/>
           </a:p>
@@ -1723,7 +1723,7 @@
             </a:pPr>
             <a:fld id="{07E70B27-9C46-8007-0856-2C1603091F49}" type="datetime1">
               <a:rPr lang="fr-FR"/>
-              <a:t>28/02/2022</a:t>
+              <a:t>01/03/2022</a:t>
             </a:fld>
             <a:endParaRPr lang="en-US"/>
           </a:p>
@@ -2182,7 +2182,7 @@
             </a:pPr>
             <a:fld id="{035EB5A1-3D50-AFA2-534D-BD45F1E6D743}" type="datetime1">
               <a:rPr lang="fr-FR"/>
-              <a:t>28/02/2022</a:t>
+              <a:t>01/03/2022</a:t>
             </a:fld>
             <a:endParaRPr lang="en-US"/>
           </a:p>
@@ -2312,7 +2312,7 @@
             </a:pPr>
             <a:fld id="{CC8CC31C-53BB-DD87-54B5-375478AB8C0B}" type="datetime1">
               <a:rPr lang="fr-FR"/>
-              <a:t>28/02/2022</a:t>
+              <a:t>01/03/2022</a:t>
             </a:fld>
             <a:endParaRPr lang="en-US"/>
           </a:p>
@@ -2411,7 +2411,7 @@
             </a:pPr>
             <a:fld id="{9525A67A-E50B-B24D-9E02-43336F674995}" type="datetime1">
               <a:rPr lang="fr-FR"/>
-              <a:t>28/02/2022</a:t>
+              <a:t>01/03/2022</a:t>
             </a:fld>
             <a:endParaRPr lang="en-US"/>
           </a:p>
@@ -2806,7 +2806,7 @@
             </a:pPr>
             <a:fld id="{3DDF2C51-3DE7-C5B8-445D-517093C43F13}" type="datetime1">
               <a:rPr lang="fr-FR"/>
-              <a:t>28/02/2022</a:t>
+              <a:t>01/03/2022</a:t>
             </a:fld>
             <a:endParaRPr lang="en-US"/>
           </a:p>
@@ -3099,7 +3099,7 @@
             </a:pPr>
             <a:fld id="{559D6A8C-9122-2BBC-4699-05FA68E8E84D}" type="datetime1">
               <a:rPr lang="fr-FR"/>
-              <a:t>28/02/2022</a:t>
+              <a:t>01/03/2022</a:t>
             </a:fld>
             <a:endParaRPr lang="en-US"/>
           </a:p>
@@ -3334,7 +3334,7 @@
             </a:pPr>
             <a:fld id="{6494E0C3-A56C-F92E-4D2C-EAA2A8F9013C}" type="datetime1">
               <a:rPr lang="fr-FR"/>
-              <a:t>28/02/2022</a:t>
+              <a:t>01/03/2022</a:t>
             </a:fld>
             <a:endParaRPr lang="en-US"/>
           </a:p>
@@ -4038,7 +4038,7 @@
                 </a:spcAft>
                 <a:defRPr/>
               </a:pPr>
-              <a:t>28/02/2022</a:t>
+              <a:t>01/03/2022</a:t>
             </a:fld>
             <a:endParaRPr lang="en-US"/>
           </a:p>
@@ -4084,7 +4084,12 @@
             <p:ph type="title"/>
           </p:nvPr>
         </p:nvSpPr>
-        <p:spPr bwMode="auto"/>
+        <p:spPr bwMode="auto">
+          <a:xfrm>
+            <a:off x="581191" y="702155"/>
+            <a:ext cx="11029615" cy="1188720"/>
+          </a:xfrm>
+        </p:spPr>
         <p:txBody>
           <a:bodyPr anchor="b">
             <a:normAutofit/>
@@ -4104,10 +4109,10 @@
       </p:sp>
       <p:pic>
         <p:nvPicPr>
-          <p:cNvPr id="5" name="Image 4">
+          <p:cNvPr id="4" name="Image 3" descr="Une image contenant texte&#10;&#10;Description générée automatiquement">
             <a:extLst>
               <a:ext uri="{FF2B5EF4-FFF2-40B4-BE49-F238E27FC236}">
-                <a16:creationId xmlns:a16="http://schemas.microsoft.com/office/drawing/2014/main" id="{7B7BA292-1133-9C47-93E6-4296A97FE762}"/>
+                <a16:creationId xmlns:a16="http://schemas.microsoft.com/office/drawing/2014/main" id="{55ABCAC8-EA82-4B4D-B752-EAFE000954B3}"/>
               </a:ext>
             </a:extLst>
           </p:cNvPr>
@@ -4124,14 +4129,61 @@
         </p:blipFill>
         <p:spPr>
           <a:xfrm>
-            <a:off x="3935760" y="1052736"/>
-            <a:ext cx="7141652" cy="5469461"/>
+            <a:off x="4365590" y="682885"/>
+            <a:ext cx="6480720" cy="5638228"/>
           </a:xfrm>
           <a:prstGeom prst="rect">
             <a:avLst/>
           </a:prstGeom>
+          <a:noFill/>
         </p:spPr>
       </p:pic>
+      <p:sp>
+        <p:nvSpPr>
+          <p:cNvPr id="9" name="Date Placeholder 3">
+            <a:extLst>
+              <a:ext uri="{FF2B5EF4-FFF2-40B4-BE49-F238E27FC236}">
+                <a16:creationId xmlns:a16="http://schemas.microsoft.com/office/drawing/2014/main" id="{9103A140-F54E-4A1D-B8ED-13A36D78A77C}"/>
+              </a:ext>
+            </a:extLst>
+          </p:cNvPr>
+          <p:cNvSpPr>
+            <a:spLocks noGrp="1"/>
+          </p:cNvSpPr>
+          <p:nvPr>
+            <p:ph type="dt" sz="half" idx="10"/>
+          </p:nvPr>
+        </p:nvSpPr>
+        <p:spPr>
+          <a:xfrm>
+            <a:off x="7605950" y="6423913"/>
+            <a:ext cx="2844797" cy="365124"/>
+          </a:xfrm>
+        </p:spPr>
+        <p:txBody>
+          <a:bodyPr/>
+          <a:lstStyle/>
+          <a:p>
+            <a:pPr>
+              <a:spcAft>
+                <a:spcPts val="600"/>
+              </a:spcAft>
+              <a:defRPr/>
+            </a:pPr>
+            <a:fld id="{FADA3D20-1B5B-2DC9-A23E-F4D4FE685C89}" type="datetime1">
+              <a:rPr lang="fr-FR"/>
+              <a:pPr>
+                <a:spcAft>
+                  <a:spcPts val="600"/>
+                </a:spcAft>
+                <a:defRPr/>
+              </a:pPr>
+              <a:t>01/03/2022</a:t>
+            </a:fld>
+            <a:endParaRPr lang="en-US"/>
+          </a:p>
+        </p:txBody>
+      </p:sp>
     </p:spTree>
   </p:cSld>
   <p:clrMapOvr>
@@ -4216,7 +4268,7 @@
             </a:pPr>
             <a:fld id="{1E6758AD-D1BE-F5EC-B574-A7D8A8429ED4}" type="datetime1">
               <a:rPr lang="fr-FR" smtClean="0"/>
-              <a:t>28/02/2022</a:t>
+              <a:t>01/03/2022</a:t>
             </a:fld>
             <a:endParaRPr lang="en-US"/>
           </a:p>
@@ -4319,7 +4371,7 @@
             </a:pPr>
             <a:fld id="{1E6758AD-D1BE-F5EC-B574-A7D8A8429ED4}" type="datetime1">
               <a:rPr lang="fr-FR" smtClean="0"/>
-              <a:t>28/02/2022</a:t>
+              <a:t>01/03/2022</a:t>
             </a:fld>
             <a:endParaRPr lang="en-US"/>
           </a:p>
@@ -4419,7 +4471,7 @@
             </a:pPr>
             <a:fld id="{1E6758AD-D1BE-F5EC-B574-A7D8A8429ED4}" type="datetime1">
               <a:rPr lang="fr-FR" smtClean="0"/>
-              <a:t>28/02/2022</a:t>
+              <a:t>01/03/2022</a:t>
             </a:fld>
             <a:endParaRPr lang="en-US"/>
           </a:p>
@@ -4482,14 +4534,49 @@
           <a:lstStyle/>
           <a:p>
             <a:r>
-              <a:rPr lang="fr-FR" dirty="0"/>
-              <a:t>Recherche </a:t>
-            </a:r>
-            <a:r>
-              <a:rPr lang="fr-FR" dirty="0" err="1"/>
+              <a:rPr lang="fr-FR" dirty="0">
+                <a:solidFill>
+                  <a:schemeClr val="tx1">
+                    <a:lumMod val="65000"/>
+                    <a:lumOff val="35000"/>
+                  </a:schemeClr>
+                </a:solidFill>
+                <a:hlinkClick r:id="rId2" action="ppaction://hlinkfile">
+                  <a:extLst>
+                    <a:ext uri="{A12FA001-AC4F-418D-AE19-62706E023703}">
+                      <ahyp:hlinkClr xmlns:ahyp="http://schemas.microsoft.com/office/drawing/2018/hyperlinkcolor" val="tx"/>
+                    </a:ext>
+                  </a:extLst>
+                </a:hlinkClick>
+              </a:rPr>
+              <a:t>Recherches </a:t>
+            </a:r>
+            <a:r>
+              <a:rPr lang="fr-FR" dirty="0" err="1">
+                <a:solidFill>
+                  <a:schemeClr val="tx1">
+                    <a:lumMod val="65000"/>
+                    <a:lumOff val="35000"/>
+                  </a:schemeClr>
+                </a:solidFill>
+                <a:hlinkClick r:id="rId2" action="ppaction://hlinkfile">
+                  <a:extLst>
+                    <a:ext uri="{A12FA001-AC4F-418D-AE19-62706E023703}">
+                      <ahyp:hlinkClr xmlns:ahyp="http://schemas.microsoft.com/office/drawing/2018/hyperlinkcolor" val="tx"/>
+                    </a:ext>
+                  </a:extLst>
+                </a:hlinkClick>
+              </a:rPr>
               <a:t>WavMap</a:t>
             </a:r>
-            <a:endParaRPr lang="fr-FR" dirty="0"/>
+            <a:endParaRPr lang="fr-FR" dirty="0">
+              <a:solidFill>
+                <a:schemeClr val="tx1">
+                  <a:lumMod val="65000"/>
+                  <a:lumOff val="35000"/>
+                </a:schemeClr>
+              </a:solidFill>
+            </a:endParaRPr>
           </a:p>
         </p:txBody>
       </p:sp>
@@ -4519,7 +4606,7 @@
             </a:pPr>
             <a:fld id="{1E6758AD-D1BE-F5EC-B574-A7D8A8429ED4}" type="datetime1">
               <a:rPr lang="fr-FR" smtClean="0"/>
-              <a:t>28/02/2022</a:t>
+              <a:t>01/03/2022</a:t>
             </a:fld>
             <a:endParaRPr lang="en-US"/>
           </a:p>
@@ -4614,7 +4701,7 @@
             </a:pPr>
             <a:fld id="{1E6758AD-D1BE-F5EC-B574-A7D8A8429ED4}" type="datetime1">
               <a:rPr lang="fr-FR" smtClean="0"/>
-              <a:t>28/02/2022</a:t>
+              <a:t>01/03/2022</a:t>
             </a:fld>
             <a:endParaRPr lang="en-US"/>
           </a:p>
@@ -4975,7 +5062,7 @@
             </a:pPr>
             <a:fld id="{1E6758AD-D1BE-F5EC-B574-A7D8A8429ED4}" type="datetime1">
               <a:rPr lang="fr-FR" smtClean="0"/>
-              <a:t>28/02/2022</a:t>
+              <a:t>01/03/2022</a:t>
             </a:fld>
             <a:endParaRPr lang="en-US"/>
           </a:p>

--- a/Documents/Document_reunion/Presentation/A3_1_Présentation.pptx
+++ b/Documents/Document_reunion/Presentation/A3_1_Présentation.pptx
@@ -371,7 +371,7 @@
             </a:pPr>
             <a:fld id="{1A9DEF83-4F69-6975-2F7B-07C88D3DB5B3}" type="datetime1">
               <a:rPr lang="fr-FR"/>
-              <a:t>01/03/2022</a:t>
+              <a:t>03/03/2022</a:t>
             </a:fld>
             <a:endParaRPr lang="en-US"/>
           </a:p>
@@ -583,7 +583,7 @@
             </a:pPr>
             <a:fld id="{8FCE5CFB-EFB3-1769-B58B-2C5D82294344}" type="datetime1">
               <a:rPr lang="fr-FR"/>
-              <a:t>01/03/2022</a:t>
+              <a:t>03/03/2022</a:t>
             </a:fld>
             <a:endParaRPr lang="en-US"/>
           </a:p>
@@ -942,7 +942,7 @@
             </a:pPr>
             <a:fld id="{14794AF3-1074-594B-B516-3DF4DF10F55E}" type="datetime1">
               <a:rPr lang="fr-FR"/>
-              <a:t>01/03/2022</a:t>
+              <a:t>03/03/2022</a:t>
             </a:fld>
             <a:endParaRPr lang="en-US"/>
           </a:p>
@@ -1143,7 +1143,7 @@
             </a:pPr>
             <a:fld id="{FADA3D20-1B5B-2DC9-A23E-F4D4FE685C89}" type="datetime1">
               <a:rPr lang="fr-FR"/>
-              <a:t>01/03/2022</a:t>
+              <a:t>03/03/2022</a:t>
             </a:fld>
             <a:endParaRPr lang="en-US"/>
           </a:p>
@@ -1447,7 +1447,7 @@
             </a:pPr>
             <a:fld id="{1E6758AD-D1BE-F5EC-B574-A7D8A8429ED4}" type="datetime1">
               <a:rPr lang="fr-FR"/>
-              <a:t>01/03/2022</a:t>
+              <a:t>03/03/2022</a:t>
             </a:fld>
             <a:endParaRPr lang="en-US"/>
           </a:p>
@@ -1723,7 +1723,7 @@
             </a:pPr>
             <a:fld id="{07E70B27-9C46-8007-0856-2C1603091F49}" type="datetime1">
               <a:rPr lang="fr-FR"/>
-              <a:t>01/03/2022</a:t>
+              <a:t>03/03/2022</a:t>
             </a:fld>
             <a:endParaRPr lang="en-US"/>
           </a:p>
@@ -2182,7 +2182,7 @@
             </a:pPr>
             <a:fld id="{035EB5A1-3D50-AFA2-534D-BD45F1E6D743}" type="datetime1">
               <a:rPr lang="fr-FR"/>
-              <a:t>01/03/2022</a:t>
+              <a:t>03/03/2022</a:t>
             </a:fld>
             <a:endParaRPr lang="en-US"/>
           </a:p>
@@ -2312,7 +2312,7 @@
             </a:pPr>
             <a:fld id="{CC8CC31C-53BB-DD87-54B5-375478AB8C0B}" type="datetime1">
               <a:rPr lang="fr-FR"/>
-              <a:t>01/03/2022</a:t>
+              <a:t>03/03/2022</a:t>
             </a:fld>
             <a:endParaRPr lang="en-US"/>
           </a:p>
@@ -2411,7 +2411,7 @@
             </a:pPr>
             <a:fld id="{9525A67A-E50B-B24D-9E02-43336F674995}" type="datetime1">
               <a:rPr lang="fr-FR"/>
-              <a:t>01/03/2022</a:t>
+              <a:t>03/03/2022</a:t>
             </a:fld>
             <a:endParaRPr lang="en-US"/>
           </a:p>
@@ -2806,7 +2806,7 @@
             </a:pPr>
             <a:fld id="{3DDF2C51-3DE7-C5B8-445D-517093C43F13}" type="datetime1">
               <a:rPr lang="fr-FR"/>
-              <a:t>01/03/2022</a:t>
+              <a:t>03/03/2022</a:t>
             </a:fld>
             <a:endParaRPr lang="en-US"/>
           </a:p>
@@ -3099,7 +3099,7 @@
             </a:pPr>
             <a:fld id="{559D6A8C-9122-2BBC-4699-05FA68E8E84D}" type="datetime1">
               <a:rPr lang="fr-FR"/>
-              <a:t>01/03/2022</a:t>
+              <a:t>03/03/2022</a:t>
             </a:fld>
             <a:endParaRPr lang="en-US"/>
           </a:p>
@@ -3334,7 +3334,7 @@
             </a:pPr>
             <a:fld id="{6494E0C3-A56C-F92E-4D2C-EAA2A8F9013C}" type="datetime1">
               <a:rPr lang="fr-FR"/>
-              <a:t>01/03/2022</a:t>
+              <a:t>03/03/2022</a:t>
             </a:fld>
             <a:endParaRPr lang="en-US"/>
           </a:p>
@@ -4038,7 +4038,7 @@
                 </a:spcAft>
                 <a:defRPr/>
               </a:pPr>
-              <a:t>01/03/2022</a:t>
+              <a:t>03/03/2022</a:t>
             </a:fld>
             <a:endParaRPr lang="en-US"/>
           </a:p>
@@ -4178,7 +4178,7 @@
                 </a:spcAft>
                 <a:defRPr/>
               </a:pPr>
-              <a:t>01/03/2022</a:t>
+              <a:t>03/03/2022</a:t>
             </a:fld>
             <a:endParaRPr lang="en-US"/>
           </a:p>
@@ -4236,9 +4236,12 @@
           <a:lstStyle/>
           <a:p>
             <a:r>
-              <a:rPr lang="fr-FR" dirty="0"/>
+              <a:rPr lang="fr-FR" dirty="0">
+                <a:hlinkClick r:id="rId2" action="ppaction://hlinkfile"/>
+              </a:rPr>
               <a:t>Visual Studio - Application</a:t>
             </a:r>
+            <a:endParaRPr lang="fr-FR" dirty="0"/>
           </a:p>
         </p:txBody>
       </p:sp>
@@ -4268,7 +4271,7 @@
             </a:pPr>
             <a:fld id="{1E6758AD-D1BE-F5EC-B574-A7D8A8429ED4}" type="datetime1">
               <a:rPr lang="fr-FR" smtClean="0"/>
-              <a:t>01/03/2022</a:t>
+              <a:t>03/03/2022</a:t>
             </a:fld>
             <a:endParaRPr lang="en-US"/>
           </a:p>
@@ -4331,17 +4334,24 @@
           <a:lstStyle/>
           <a:p>
             <a:r>
-              <a:rPr lang="fr-FR" dirty="0"/>
+              <a:rPr lang="fr-FR" dirty="0">
+                <a:hlinkClick r:id="rId2" action="ppaction://hlinkfile"/>
+              </a:rPr>
               <a:t>CRUD application (</a:t>
             </a:r>
             <a:r>
-              <a:rPr lang="fr-FR" dirty="0" err="1"/>
+              <a:rPr lang="fr-FR" dirty="0" err="1">
+                <a:hlinkClick r:id="rId2" action="ppaction://hlinkfile"/>
+              </a:rPr>
               <a:t>Postman</a:t>
             </a:r>
             <a:r>
-              <a:rPr lang="fr-FR" dirty="0"/>
+              <a:rPr lang="fr-FR" dirty="0">
+                <a:hlinkClick r:id="rId2" action="ppaction://hlinkfile"/>
+              </a:rPr>
               <a:t>)</a:t>
             </a:r>
+            <a:endParaRPr lang="fr-FR" dirty="0"/>
           </a:p>
         </p:txBody>
       </p:sp>
@@ -4371,7 +4381,7 @@
             </a:pPr>
             <a:fld id="{1E6758AD-D1BE-F5EC-B574-A7D8A8429ED4}" type="datetime1">
               <a:rPr lang="fr-FR" smtClean="0"/>
-              <a:t>01/03/2022</a:t>
+              <a:t>03/03/2022</a:t>
             </a:fld>
             <a:endParaRPr lang="en-US"/>
           </a:p>
@@ -4434,11 +4444,15 @@
           <a:lstStyle/>
           <a:p>
             <a:r>
-              <a:rPr lang="fr-FR" dirty="0"/>
+              <a:rPr lang="fr-FR" dirty="0">
+                <a:hlinkClick r:id="rId2"/>
+              </a:rPr>
               <a:t>Base de données </a:t>
             </a:r>
             <a:r>
-              <a:rPr lang="fr-FR" dirty="0" err="1"/>
+              <a:rPr lang="fr-FR" dirty="0" err="1">
+                <a:hlinkClick r:id="rId2"/>
+              </a:rPr>
               <a:t>wavMap</a:t>
             </a:r>
             <a:endParaRPr lang="fr-FR" dirty="0"/>
@@ -4471,7 +4485,7 @@
             </a:pPr>
             <a:fld id="{1E6758AD-D1BE-F5EC-B574-A7D8A8429ED4}" type="datetime1">
               <a:rPr lang="fr-FR" smtClean="0"/>
-              <a:t>01/03/2022</a:t>
+              <a:t>03/03/2022</a:t>
             </a:fld>
             <a:endParaRPr lang="en-US"/>
           </a:p>
@@ -4535,21 +4549,21 @@
           <a:p>
             <a:r>
               <a:rPr lang="fr-FR" dirty="0">
+                <a:hlinkClick r:id="rId2" action="ppaction://hlinkfile"/>
+              </a:rPr>
+              <a:t>Recherches</a:t>
+            </a:r>
+            <a:r>
+              <a:rPr lang="fr-FR" dirty="0">
                 <a:solidFill>
                   <a:schemeClr val="tx1">
                     <a:lumMod val="65000"/>
                     <a:lumOff val="35000"/>
                   </a:schemeClr>
                 </a:solidFill>
-                <a:hlinkClick r:id="rId2" action="ppaction://hlinkfile">
-                  <a:extLst>
-                    <a:ext uri="{A12FA001-AC4F-418D-AE19-62706E023703}">
-                      <ahyp:hlinkClr xmlns:ahyp="http://schemas.microsoft.com/office/drawing/2018/hyperlinkcolor" val="tx"/>
-                    </a:ext>
-                  </a:extLst>
-                </a:hlinkClick>
+                <a:hlinkClick r:id="rId2" action="ppaction://hlinkfile"/>
               </a:rPr>
-              <a:t>Recherches </a:t>
+              <a:t> </a:t>
             </a:r>
             <a:r>
               <a:rPr lang="fr-FR" dirty="0" err="1">
@@ -4559,13 +4573,7 @@
                     <a:lumOff val="35000"/>
                   </a:schemeClr>
                 </a:solidFill>
-                <a:hlinkClick r:id="rId2" action="ppaction://hlinkfile">
-                  <a:extLst>
-                    <a:ext uri="{A12FA001-AC4F-418D-AE19-62706E023703}">
-                      <ahyp:hlinkClr xmlns:ahyp="http://schemas.microsoft.com/office/drawing/2018/hyperlinkcolor" val="tx"/>
-                    </a:ext>
-                  </a:extLst>
-                </a:hlinkClick>
+                <a:hlinkClick r:id="rId2" action="ppaction://hlinkfile"/>
               </a:rPr>
               <a:t>WavMap</a:t>
             </a:r>
@@ -4606,7 +4614,7 @@
             </a:pPr>
             <a:fld id="{1E6758AD-D1BE-F5EC-B574-A7D8A8429ED4}" type="datetime1">
               <a:rPr lang="fr-FR" smtClean="0"/>
-              <a:t>01/03/2022</a:t>
+              <a:t>03/03/2022</a:t>
             </a:fld>
             <a:endParaRPr lang="en-US"/>
           </a:p>
@@ -4701,7 +4709,7 @@
             </a:pPr>
             <a:fld id="{1E6758AD-D1BE-F5EC-B574-A7D8A8429ED4}" type="datetime1">
               <a:rPr lang="fr-FR" smtClean="0"/>
-              <a:t>01/03/2022</a:t>
+              <a:t>03/03/2022</a:t>
             </a:fld>
             <a:endParaRPr lang="en-US"/>
           </a:p>
@@ -4723,8 +4731,8 @@
         </p:nvSpPr>
         <p:spPr bwMode="auto">
           <a:xfrm>
-            <a:off x="2811223" y="3068961"/>
-            <a:ext cx="4794727" cy="1561038"/>
+            <a:off x="2583621" y="2228002"/>
+            <a:ext cx="8696955" cy="2929190"/>
           </a:xfrm>
           <a:prstGeom prst="rect">
             <a:avLst/>
@@ -4732,7 +4740,7 @@
         </p:spPr>
         <p:txBody>
           <a:bodyPr vert="horz" lIns="91440" tIns="45720" rIns="91440" bIns="45720" rtlCol="0" anchor="t">
-            <a:normAutofit/>
+            <a:noAutofit/>
           </a:bodyPr>
           <a:lstStyle>
             <a:lvl1pPr marL="0" indent="0" algn="l" defTabSz="457200">
@@ -4955,21 +4963,68 @@
           </a:lstStyle>
           <a:p>
             <a:r>
-              <a:rPr lang="fr-FR" dirty="0"/>
+              <a:rPr lang="fr-FR" sz="3200" dirty="0">
+                <a:hlinkClick r:id="rId2" action="ppaction://hlinkfile"/>
+              </a:rPr>
               <a:t>PAQ</a:t>
             </a:r>
-          </a:p>
-          <a:p>
-            <a:r>
-              <a:rPr lang="fr-FR" dirty="0"/>
-              <a:t>SCRUM (sprint, user story)</a:t>
-            </a:r>
-          </a:p>
-          <a:p>
-            <a:r>
-              <a:rPr lang="fr-FR" dirty="0"/>
+            <a:endParaRPr lang="fr-FR" sz="3200" dirty="0"/>
+          </a:p>
+          <a:p>
+            <a:r>
+              <a:rPr lang="fr-FR" sz="3200" dirty="0">
+                <a:hlinkClick r:id="rId3" action="ppaction://hlinkfile"/>
+              </a:rPr>
+              <a:t>Liste des risques</a:t>
+            </a:r>
+            <a:endParaRPr lang="fr-FR" sz="3200" dirty="0"/>
+          </a:p>
+          <a:p>
+            <a:r>
+              <a:rPr lang="fr-FR" sz="3200" dirty="0"/>
+              <a:t>SCRUM (</a:t>
+            </a:r>
+            <a:r>
+              <a:rPr lang="fr-FR" sz="3200" dirty="0">
+                <a:hlinkClick r:id="rId4" action="ppaction://hlinkfile"/>
+              </a:rPr>
+              <a:t>sprint </a:t>
+            </a:r>
+            <a:r>
+              <a:rPr lang="fr-FR" sz="3200" dirty="0" err="1">
+                <a:hlinkClick r:id="rId4" action="ppaction://hlinkfile"/>
+              </a:rPr>
+              <a:t>backlog</a:t>
+            </a:r>
+            <a:r>
+              <a:rPr lang="fr-FR" sz="3200" dirty="0"/>
+              <a:t>, </a:t>
+            </a:r>
+            <a:r>
+              <a:rPr lang="fr-FR" sz="3200" dirty="0">
+                <a:hlinkClick r:id="rId5" action="ppaction://hlinkfile"/>
+              </a:rPr>
+              <a:t>product </a:t>
+            </a:r>
+            <a:r>
+              <a:rPr lang="fr-FR" sz="3200" dirty="0" err="1">
+                <a:hlinkClick r:id="rId5" action="ppaction://hlinkfile"/>
+              </a:rPr>
+              <a:t>backlog</a:t>
+            </a:r>
+            <a:r>
+              <a:rPr lang="fr-FR" sz="3200" dirty="0"/>
+              <a:t>)</a:t>
+            </a:r>
+          </a:p>
+          <a:p>
+            <a:r>
+              <a:rPr lang="fr-FR" sz="3200" dirty="0">
+                <a:hlinkClick r:id="rId6" action="ppaction://hlinkfile"/>
+              </a:rPr>
               <a:t>Document de vision</a:t>
             </a:r>
+            <a:endParaRPr lang="fr-FR" sz="3200" dirty="0"/>
           </a:p>
         </p:txBody>
       </p:sp>
@@ -5022,16 +5077,26 @@
         <p:spPr>
           <a:xfrm>
             <a:off x="2583621" y="1403619"/>
-            <a:ext cx="7024757" cy="824383"/>
+            <a:ext cx="7400811" cy="824383"/>
           </a:xfrm>
         </p:spPr>
         <p:txBody>
-          <a:bodyPr/>
+          <a:bodyPr>
+            <a:normAutofit fontScale="90000"/>
+          </a:bodyPr>
           <a:lstStyle/>
           <a:p>
             <a:r>
               <a:rPr lang="fr-FR" dirty="0"/>
-              <a:t>Livrable</a:t>
+              <a:t>Livrables se trouvant sur </a:t>
+            </a:r>
+            <a:r>
+              <a:rPr lang="fr-FR" dirty="0" err="1"/>
+              <a:t>Github</a:t>
+            </a:r>
+            <a:r>
+              <a:rPr lang="fr-FR" dirty="0"/>
+              <a:t> </a:t>
             </a:r>
           </a:p>
         </p:txBody>
@@ -5062,7 +5127,7 @@
             </a:pPr>
             <a:fld id="{1E6758AD-D1BE-F5EC-B574-A7D8A8429ED4}" type="datetime1">
               <a:rPr lang="fr-FR" smtClean="0"/>
-              <a:t>01/03/2022</a:t>
+              <a:t>03/03/2022</a:t>
             </a:fld>
             <a:endParaRPr lang="en-US"/>
           </a:p>
@@ -5084,8 +5149,8 @@
         </p:nvSpPr>
         <p:spPr bwMode="auto">
           <a:xfrm>
-            <a:off x="2811223" y="3068961"/>
-            <a:ext cx="4794727" cy="1561038"/>
+            <a:off x="2583621" y="2348880"/>
+            <a:ext cx="4794727" cy="1512168"/>
           </a:xfrm>
           <a:prstGeom prst="rect">
             <a:avLst/>
@@ -5093,7 +5158,7 @@
         </p:spPr>
         <p:txBody>
           <a:bodyPr vert="horz" lIns="91440" tIns="45720" rIns="91440" bIns="45720" rtlCol="0" anchor="t">
-            <a:normAutofit/>
+            <a:normAutofit lnSpcReduction="10000"/>
           </a:bodyPr>
           <a:lstStyle>
             <a:lvl1pPr marL="0" indent="0" algn="l" defTabSz="457200">
@@ -5316,9 +5381,43 @@
           </a:lstStyle>
           <a:p>
             <a:r>
+              <a:rPr lang="fr-FR" dirty="0" err="1"/>
+              <a:t>WavCom</a:t>
+            </a:r>
+            <a:r>
               <a:rPr lang="fr-FR" dirty="0"/>
-              <a:t>...</a:t>
-            </a:r>
+              <a:t> (Visual Studio)</a:t>
+            </a:r>
+          </a:p>
+          <a:p>
+            <a:r>
+              <a:rPr lang="fr-FR" dirty="0"/>
+              <a:t>Document de recherches pour </a:t>
+            </a:r>
+            <a:r>
+              <a:rPr lang="fr-FR" dirty="0" err="1"/>
+              <a:t>WavMap</a:t>
+            </a:r>
+            <a:endParaRPr lang="fr-FR" dirty="0"/>
+          </a:p>
+          <a:p>
+            <a:r>
+              <a:rPr lang="fr-FR" dirty="0"/>
+              <a:t>Code API </a:t>
+            </a:r>
+          </a:p>
+          <a:p>
+            <a:r>
+              <a:rPr lang="fr-FR" dirty="0" err="1"/>
+              <a:t>POstman</a:t>
+            </a:r>
+            <a:endParaRPr lang="fr-FR" dirty="0"/>
+          </a:p>
+          <a:p>
+            <a:endParaRPr lang="fr-FR" dirty="0"/>
+          </a:p>
+          <a:p>
+            <a:endParaRPr lang="fr-FR" dirty="0"/>
           </a:p>
         </p:txBody>
       </p:sp>
